--- a/slides/14-dependency-parsing.pptx
+++ b/slides/14-dependency-parsing.pptx
@@ -244,7 +244,7 @@
             <a:fld id="{D3E28C4F-4FE9-4D22-93D8-487A4D01D983}" type="datetimeFigureOut">
               <a:rPr lang="en-US" smtClean="0"/>
               <a:pPr/>
-              <a:t>1/20/20</a:t>
+              <a:t>3/13/20</a:t>
             </a:fld>
             <a:endParaRPr lang="en-US"/>
           </a:p>
@@ -411,7 +411,7 @@
             <a:fld id="{EE18CB36-612C-4E4A-AC83-E89476AEC2BF}" type="datetimeFigureOut">
               <a:rPr lang="en-US" smtClean="0"/>
               <a:pPr/>
-              <a:t>1/20/20</a:t>
+              <a:t>3/13/20</a:t>
             </a:fld>
             <a:endParaRPr lang="en-US"/>
           </a:p>
@@ -1171,7 +1171,7 @@
           <a:p>
             <a:fld id="{240CDC23-E565-C848-9AF6-12BD09C53D91}" type="datetimeFigureOut">
               <a:rPr lang="en-US" smtClean="0"/>
-              <a:t>1/20/20</a:t>
+              <a:t>3/13/20</a:t>
             </a:fld>
             <a:endParaRPr lang="en-US"/>
           </a:p>
@@ -1416,7 +1416,7 @@
           <a:p>
             <a:fld id="{240CDC23-E565-C848-9AF6-12BD09C53D91}" type="datetimeFigureOut">
               <a:rPr lang="en-US" smtClean="0"/>
-              <a:t>1/20/20</a:t>
+              <a:t>3/13/20</a:t>
             </a:fld>
             <a:endParaRPr lang="en-US"/>
           </a:p>
@@ -1723,7 +1723,7 @@
           <a:p>
             <a:fld id="{240CDC23-E565-C848-9AF6-12BD09C53D91}" type="datetimeFigureOut">
               <a:rPr lang="en-US" smtClean="0"/>
-              <a:t>1/20/20</a:t>
+              <a:t>3/13/20</a:t>
             </a:fld>
             <a:endParaRPr lang="en-US"/>
           </a:p>
@@ -2082,7 +2082,7 @@
           <a:p>
             <a:fld id="{240CDC23-E565-C848-9AF6-12BD09C53D91}" type="datetimeFigureOut">
               <a:rPr lang="en-US" smtClean="0"/>
-              <a:t>1/20/20</a:t>
+              <a:t>3/13/20</a:t>
             </a:fld>
             <a:endParaRPr lang="en-US"/>
           </a:p>
@@ -2461,7 +2461,7 @@
           <a:p>
             <a:fld id="{240CDC23-E565-C848-9AF6-12BD09C53D91}" type="datetimeFigureOut">
               <a:rPr lang="en-US" smtClean="0"/>
-              <a:t>1/20/20</a:t>
+              <a:t>3/13/20</a:t>
             </a:fld>
             <a:endParaRPr lang="en-US"/>
           </a:p>
@@ -2579,7 +2579,7 @@
           <a:p>
             <a:fld id="{240CDC23-E565-C848-9AF6-12BD09C53D91}" type="datetimeFigureOut">
               <a:rPr lang="en-US" smtClean="0"/>
-              <a:t>1/20/20</a:t>
+              <a:t>3/13/20</a:t>
             </a:fld>
             <a:endParaRPr lang="en-US"/>
           </a:p>
@@ -2925,7 +2925,7 @@
           <a:p>
             <a:fld id="{240CDC23-E565-C848-9AF6-12BD09C53D91}" type="datetimeFigureOut">
               <a:rPr lang="en-US" smtClean="0"/>
-              <a:t>1/20/20</a:t>
+              <a:t>3/13/20</a:t>
             </a:fld>
             <a:endParaRPr lang="en-US"/>
           </a:p>
@@ -3115,7 +3115,7 @@
           <a:p>
             <a:fld id="{240CDC23-E565-C848-9AF6-12BD09C53D91}" type="datetimeFigureOut">
               <a:rPr lang="en-US" smtClean="0"/>
-              <a:t>1/20/20</a:t>
+              <a:t>3/13/20</a:t>
             </a:fld>
             <a:r>
               <a:rPr lang="en-US" dirty="0" err="1"/>
@@ -3628,7 +3628,7 @@
           <a:p>
             <a:fld id="{240CDC23-E565-C848-9AF6-12BD09C53D91}" type="datetimeFigureOut">
               <a:rPr lang="en-US" smtClean="0"/>
-              <a:t>1/20/20</a:t>
+              <a:t>3/13/20</a:t>
             </a:fld>
             <a:endParaRPr lang="en-US"/>
           </a:p>
@@ -5737,6 +5737,31 @@
           <a:chExt cx="0" cy="0"/>
         </a:xfrm>
       </p:grpSpPr>
+      <p:sp>
+        <p:nvSpPr>
+          <p:cNvPr id="2" name="Title 1">
+            <a:extLst>
+              <a:ext uri="{FF2B5EF4-FFF2-40B4-BE49-F238E27FC236}">
+                <a16:creationId xmlns:a16="http://schemas.microsoft.com/office/drawing/2014/main" id="{970036F3-CAA7-134E-962E-FD172BE1F1F6}"/>
+              </a:ext>
+            </a:extLst>
+          </p:cNvPr>
+          <p:cNvSpPr>
+            <a:spLocks noGrp="1"/>
+          </p:cNvSpPr>
+          <p:nvPr>
+            <p:ph type="title"/>
+          </p:nvPr>
+        </p:nvSpPr>
+        <p:spPr/>
+        <p:txBody>
+          <a:bodyPr/>
+          <a:lstStyle/>
+          <a:p>
+            <a:endParaRPr lang="en-US" dirty="0"/>
+          </a:p>
+        </p:txBody>
+      </p:sp>
       <p:pic>
         <p:nvPicPr>
           <p:cNvPr id="5" name="Content Placeholder 4">
